--- a/backend/project/PPTX/Computing_presentation.pptx
+++ b/backend/project/PPTX/Computing_presentation.pptx
@@ -3174,7 +3174,7 @@
           <a:lstStyle/>
           <a:p>
             <a:r>
-              <a:t>Cybersecurity</a:t>
+              <a:t>Slide 9: Computing Education</a:t>
             </a:r>
           </a:p>
         </p:txBody>
@@ -3196,7 +3196,7 @@
           <a:p>
             <a:r>
               <a:rPr b="1" sz="1800"/>
-              <a:t>Cybersecurity is the practice of protecting systems, networks, and data from cyber threats. It involves preventing, detecting, and responding to attacks to ensure the security and privacy of information.</a:t>
+              <a:t>Educational programs in computing range from coding bootcamps to computer science degrees. Continuous learning and staying updated with the latest technologies are essential for success in the field of computing.</a:t>
             </a:r>
           </a:p>
         </p:txBody>
@@ -3228,7 +3228,7 @@
               <a:defRPr sz="1200"/>
             </a:pPr>
             <a:r>
-              <a:t>- Garcia, E. (2018). Cybersecurity Essentials. Publisher VWX.</a:t>
+              <a:t>- Yellow, O. (2013). Computing Education Programs. PublisherR.</a:t>
             </a:r>
           </a:p>
         </p:txBody>
@@ -3267,7 +3267,7 @@
           <a:lstStyle/>
           <a:p>
             <a:r>
-              <a:t>Conclusion</a:t>
+              <a:t>Slide 10: Conclusion</a:t>
             </a:r>
           </a:p>
         </p:txBody>
@@ -3289,7 +3289,7 @@
           <a:p>
             <a:r>
               <a:rPr b="1" sz="1800"/>
-              <a:t>Computing plays a crucial role in our modern society, shaping the way we live and work. It continues to evolve with new technologies and innovations, driving progress and advancements in various fields.</a:t>
+              <a:t>In conclusion, computing plays a vital role in shaping our technological landscape. It is a dynamic and fast-evolving field that offers endless possibilities for innovation and growth.</a:t>
             </a:r>
           </a:p>
         </p:txBody>
@@ -3321,7 +3321,7 @@
               <a:defRPr sz="1200"/>
             </a:pPr>
             <a:r>
-              <a:t>- Smith, J. (2021). Computing in Today's World. Publisher YZA.</a:t>
+              <a:t>- Orange, P. (2012). Key Takeaways from Computing. PublisherQ.</a:t>
             </a:r>
           </a:p>
         </p:txBody>
@@ -3360,7 +3360,7 @@
           <a:lstStyle/>
           <a:p>
             <a:r>
-              <a:t>Introduction to Computing</a:t>
+              <a:t>Slide 1: Introduction to Computing</a:t>
             </a:r>
           </a:p>
         </p:txBody>
@@ -3382,7 +3382,7 @@
           <a:p>
             <a:r>
               <a:rPr b="1" sz="1800"/>
-              <a:t>Computing is the process of using computer technology to perform various tasks. It involves hardware, software, and algorithms to process and manipulate data. Computing has revolutionized the way we work, communicate, and interact with the world.</a:t>
+              <a:t>Computing is the act of using and developing computer technology. It involves thinking algorithmically and solving problems efficiently. The field of computing encompasses computer science, information technology, and software engineering.</a:t>
             </a:r>
           </a:p>
         </p:txBody>
@@ -3414,7 +3414,7 @@
               <a:defRPr sz="1200"/>
             </a:pPr>
             <a:r>
-              <a:t>- Smith, J. (2018). The Basics of Computing. Publisher ABC.</a:t>
+              <a:t>- Smith, J. (2020). Understanding Computing. PublisherX.</a:t>
             </a:r>
           </a:p>
         </p:txBody>
@@ -3453,7 +3453,7 @@
           <a:lstStyle/>
           <a:p>
             <a:r>
-              <a:t>Types of Computers</a:t>
+              <a:t>Slide 2: History of Computing</a:t>
             </a:r>
           </a:p>
         </p:txBody>
@@ -3475,7 +3475,7 @@
           <a:p>
             <a:r>
               <a:rPr b="1" sz="1800"/>
-              <a:t>There are different types of computers, including personal computers, laptops, servers, mainframes, and supercomputers. Each type has its own characteristics and capabilities, catering to different needs and requirements.</a:t>
+              <a:t>The history of computing dates back to ancient times when the abacus was developed. Over the years, computing devices have evolved from mechanical calculators to modern-day computers and mobile devices.</a:t>
             </a:r>
           </a:p>
         </p:txBody>
@@ -3507,7 +3507,7 @@
               <a:defRPr sz="1200"/>
             </a:pPr>
             <a:r>
-              <a:t>- Doe, A. (2017). Understanding Computer Types. Publisher XYZ.</a:t>
+              <a:t>- Jones, A. (2018). A Brief History of Computing. PublisherY.</a:t>
             </a:r>
           </a:p>
         </p:txBody>
@@ -3546,7 +3546,7 @@
           <a:lstStyle/>
           <a:p>
             <a:r>
-              <a:t>Operating Systems</a:t>
+              <a:t>Slide 3: Types of Computing Devices</a:t>
             </a:r>
           </a:p>
         </p:txBody>
@@ -3568,7 +3568,7 @@
           <a:p>
             <a:r>
               <a:rPr b="1" sz="1800"/>
-              <a:t>An operating system is a software that manages computer hardware and provides services for computer programs. Popular operating systems include Windows, macOS, and Linux.</a:t>
+              <a:t>There are various types of computing devices, including desktop computers, laptops, tablets, and smartphones. Each type of device has its unique features and capabilities.</a:t>
             </a:r>
           </a:p>
         </p:txBody>
@@ -3600,7 +3600,7 @@
               <a:defRPr sz="1200"/>
             </a:pPr>
             <a:r>
-              <a:t>- Brown, S. (2019). Operating Systems Explained. Publisher DEF.</a:t>
+              <a:t>- Brown, K. (2019). Types of Computing Devices. PublisherZ.</a:t>
             </a:r>
           </a:p>
         </p:txBody>
@@ -3639,7 +3639,7 @@
           <a:lstStyle/>
           <a:p>
             <a:r>
-              <a:t>Programming Languages</a:t>
+              <a:t>Slide 4: Applications of Computing</a:t>
             </a:r>
           </a:p>
         </p:txBody>
@@ -3661,7 +3661,7 @@
           <a:p>
             <a:r>
               <a:rPr b="1" sz="1800"/>
-              <a:t>Programming languages are used to write instructions for computers to execute. Some popular programming languages include Java, Python, C++, and JavaScript. Each language has its own syntax and purpose.</a:t>
+              <a:t>Computing is used in various fields such as healthcare, finance, education, and entertainment. It has revolutionized the way we work, communicate, and access information.</a:t>
             </a:r>
           </a:p>
         </p:txBody>
@@ -3693,7 +3693,7 @@
               <a:defRPr sz="1200"/>
             </a:pPr>
             <a:r>
-              <a:t>- Johnson, R. (2016). Programming Languages Overview. Publisher GHI.</a:t>
+              <a:t>- White, L. (2017). Applications of Computing in the Modern World. PublisherW.</a:t>
             </a:r>
           </a:p>
         </p:txBody>
@@ -3732,7 +3732,7 @@
           <a:lstStyle/>
           <a:p>
             <a:r>
-              <a:t>Data Structures and Algorithms</a:t>
+              <a:t>Slide 5: Future Trends in Computing</a:t>
             </a:r>
           </a:p>
         </p:txBody>
@@ -3754,7 +3754,7 @@
           <a:p>
             <a:r>
               <a:rPr b="1" sz="1800"/>
-              <a:t>Data structures are ways of organizing and storing data in a computer so that it can be accessed and manipulated efficiently. Algorithms are step-by-step procedures for solving problems using data structures.</a:t>
+              <a:t>The future of computing is predicted to involve artificial intelligence, quantum computing, and edge computing. These technologies have the potential to transform industries and improve efficiency.</a:t>
             </a:r>
           </a:p>
         </p:txBody>
@@ -3786,7 +3786,7 @@
               <a:defRPr sz="1200"/>
             </a:pPr>
             <a:r>
-              <a:t>- Smith, T. (2020). Data Structures and Algorithms Handbook. Publisher JKL.</a:t>
+              <a:t>- Green, M. (2021). Emerging Trends in Computing. PublisherV.</a:t>
             </a:r>
           </a:p>
         </p:txBody>
@@ -3825,7 +3825,7 @@
           <a:lstStyle/>
           <a:p>
             <a:r>
-              <a:t>Networking and Internet</a:t>
+              <a:t>Slide 6: Importance of Computing Skills</a:t>
             </a:r>
           </a:p>
         </p:txBody>
@@ -3847,7 +3847,7 @@
           <a:p>
             <a:r>
               <a:rPr b="1" sz="1800"/>
-              <a:t>Networking involves connecting computers to share data and resources. The Internet is a global network of interconnected computers that allows communication and access to information worldwide.</a:t>
+              <a:t>Having computing skills is essential in today's digital age. It allows individuals to adapt to new technologies, solve complex problems, and innovate in their respective fields.</a:t>
             </a:r>
           </a:p>
         </p:txBody>
@@ -3879,7 +3879,7 @@
               <a:defRPr sz="1200"/>
             </a:pPr>
             <a:r>
-              <a:t>- Doe, B. (2018). Networking and Internet Basics. Publisher MNO.</a:t>
+              <a:t>- Black, S. (2016). The Significance of Computing Skills. PublisherU.</a:t>
             </a:r>
           </a:p>
         </p:txBody>
@@ -3918,7 +3918,7 @@
           <a:lstStyle/>
           <a:p>
             <a:r>
-              <a:t>Cloud Computing</a:t>
+              <a:t>Slide 7: Challenges in Computing</a:t>
             </a:r>
           </a:p>
         </p:txBody>
@@ -3940,7 +3940,7 @@
           <a:p>
             <a:r>
               <a:rPr b="1" sz="1800"/>
-              <a:t>Cloud computing allows users to access and store data and programs over the Internet instead of on local computers. It offers scalability, flexibility, and cost-efficiency for businesses and individuals.</a:t>
+              <a:t>The field of computing faces challenges such as cybersecurity threats, data privacy issues, and ethical concerns related to artificial intelligence. Addressing these challenges is crucial for the future of computing.</a:t>
             </a:r>
           </a:p>
         </p:txBody>
@@ -3972,7 +3972,7 @@
               <a:defRPr sz="1200"/>
             </a:pPr>
             <a:r>
-              <a:t>- Brown, L. (2017). Introduction to Cloud Computing. Publisher PQR.</a:t>
+              <a:t>- Red, T. (2015). Challenges in Computing. PublisherT.</a:t>
             </a:r>
           </a:p>
         </p:txBody>
@@ -4011,7 +4011,7 @@
           <a:lstStyle/>
           <a:p>
             <a:r>
-              <a:t>Artificial Intelligence</a:t>
+              <a:t>Slide 8: Computing Careers</a:t>
             </a:r>
           </a:p>
         </p:txBody>
@@ -4033,7 +4033,7 @@
           <a:p>
             <a:r>
               <a:rPr b="1" sz="1800"/>
-              <a:t>Artificial Intelligence (AI) is the simulation of human intelligence processes by machines, such as learning, reasoning, and problem-solving. AI is used in various applications like chatbots, self-driving cars, and healthcare.</a:t>
+              <a:t>There are diverse career opportunities in computing, including software development, cybersecurity, data analysis, and network administration. Pursuing a career in computing can lead to rewarding and high-demand job prospects.</a:t>
             </a:r>
           </a:p>
         </p:txBody>
@@ -4065,7 +4065,7 @@
               <a:defRPr sz="1200"/>
             </a:pPr>
             <a:r>
-              <a:t>- Adams, C. (2019). AI Revolution. Publisher STU.</a:t>
+              <a:t>- Blue, R. (2014). Careers in Computing. PublisherS.</a:t>
             </a:r>
           </a:p>
         </p:txBody>
